--- a/KasarcaHueseyin/SAPlexa Präsentation.pptx
+++ b/KasarcaHueseyin/SAPlexa Präsentation.pptx
@@ -12362,12 +12362,19 @@
         </dgm:presLayoutVars>
       </dgm:prSet>
       <dgm:spPr/>
+      <dgm:t>
+        <a:bodyPr/>
+        <a:lstStyle/>
+        <a:p>
+          <a:endParaRPr lang="de-DE"/>
+        </a:p>
+      </dgm:t>
     </dgm:pt>
   </dgm:ptLst>
   <dgm:cxnLst>
+    <dgm:cxn modelId="{3EFB67F2-B4EB-4EFE-964A-8AF193349332}" type="presOf" srcId="{674503E8-1AC7-41ED-8605-5E819E9C237D}" destId="{B2AC34C9-27F4-4A43-B9E6-31AAF7FDE0CB}" srcOrd="0" destOrd="0" presId="urn:microsoft.com/office/officeart/2005/8/layout/chevron1"/>
     <dgm:cxn modelId="{6D139A0C-1C5F-462F-941A-E83A5038A582}" type="presOf" srcId="{5033FB32-F740-4C19-B504-0647C1F53E48}" destId="{3EB30996-91B3-4239-BF37-88E3C555BC52}" srcOrd="0" destOrd="0" presId="urn:microsoft.com/office/officeart/2005/8/layout/chevron1"/>
     <dgm:cxn modelId="{A9C04542-76A5-484F-BDC6-8684DE3831C0}" srcId="{674503E8-1AC7-41ED-8605-5E819E9C237D}" destId="{5033FB32-F740-4C19-B504-0647C1F53E48}" srcOrd="0" destOrd="0" parTransId="{4F5440BC-E4ED-41F4-BCBC-91A4379FE628}" sibTransId="{0F72E487-3666-4627-B648-0F027167834A}"/>
-    <dgm:cxn modelId="{3EFB67F2-B4EB-4EFE-964A-8AF193349332}" type="presOf" srcId="{674503E8-1AC7-41ED-8605-5E819E9C237D}" destId="{B2AC34C9-27F4-4A43-B9E6-31AAF7FDE0CB}" srcOrd="0" destOrd="0" presId="urn:microsoft.com/office/officeart/2005/8/layout/chevron1"/>
     <dgm:cxn modelId="{E75CA34E-81F5-42E1-938A-72E2F0999817}" type="presParOf" srcId="{B2AC34C9-27F4-4A43-B9E6-31AAF7FDE0CB}" destId="{3EB30996-91B3-4239-BF37-88E3C555BC52}" srcOrd="0" destOrd="0" presId="urn:microsoft.com/office/officeart/2005/8/layout/chevron1"/>
   </dgm:cxnLst>
   <dgm:bg/>
@@ -12450,12 +12457,19 @@
         </dgm:presLayoutVars>
       </dgm:prSet>
       <dgm:spPr/>
+      <dgm:t>
+        <a:bodyPr/>
+        <a:lstStyle/>
+        <a:p>
+          <a:endParaRPr lang="de-DE"/>
+        </a:p>
+      </dgm:t>
     </dgm:pt>
   </dgm:ptLst>
   <dgm:cxnLst>
+    <dgm:cxn modelId="{3EFB67F2-B4EB-4EFE-964A-8AF193349332}" type="presOf" srcId="{674503E8-1AC7-41ED-8605-5E819E9C237D}" destId="{B2AC34C9-27F4-4A43-B9E6-31AAF7FDE0CB}" srcOrd="0" destOrd="0" presId="urn:microsoft.com/office/officeart/2005/8/layout/chevron1"/>
     <dgm:cxn modelId="{6D139A0C-1C5F-462F-941A-E83A5038A582}" type="presOf" srcId="{5033FB32-F740-4C19-B504-0647C1F53E48}" destId="{3EB30996-91B3-4239-BF37-88E3C555BC52}" srcOrd="0" destOrd="0" presId="urn:microsoft.com/office/officeart/2005/8/layout/chevron1"/>
     <dgm:cxn modelId="{A9C04542-76A5-484F-BDC6-8684DE3831C0}" srcId="{674503E8-1AC7-41ED-8605-5E819E9C237D}" destId="{5033FB32-F740-4C19-B504-0647C1F53E48}" srcOrd="0" destOrd="0" parTransId="{4F5440BC-E4ED-41F4-BCBC-91A4379FE628}" sibTransId="{0F72E487-3666-4627-B648-0F027167834A}"/>
-    <dgm:cxn modelId="{3EFB67F2-B4EB-4EFE-964A-8AF193349332}" type="presOf" srcId="{674503E8-1AC7-41ED-8605-5E819E9C237D}" destId="{B2AC34C9-27F4-4A43-B9E6-31AAF7FDE0CB}" srcOrd="0" destOrd="0" presId="urn:microsoft.com/office/officeart/2005/8/layout/chevron1"/>
     <dgm:cxn modelId="{E75CA34E-81F5-42E1-938A-72E2F0999817}" type="presParOf" srcId="{B2AC34C9-27F4-4A43-B9E6-31AAF7FDE0CB}" destId="{3EB30996-91B3-4239-BF37-88E3C555BC52}" srcOrd="0" destOrd="0" presId="urn:microsoft.com/office/officeart/2005/8/layout/chevron1"/>
   </dgm:cxnLst>
   <dgm:bg/>
@@ -12544,12 +12558,19 @@
         </dgm:presLayoutVars>
       </dgm:prSet>
       <dgm:spPr/>
+      <dgm:t>
+        <a:bodyPr/>
+        <a:lstStyle/>
+        <a:p>
+          <a:endParaRPr lang="de-DE"/>
+        </a:p>
+      </dgm:t>
     </dgm:pt>
   </dgm:ptLst>
   <dgm:cxnLst>
+    <dgm:cxn modelId="{3EFB67F2-B4EB-4EFE-964A-8AF193349332}" type="presOf" srcId="{674503E8-1AC7-41ED-8605-5E819E9C237D}" destId="{B2AC34C9-27F4-4A43-B9E6-31AAF7FDE0CB}" srcOrd="0" destOrd="0" presId="urn:microsoft.com/office/officeart/2005/8/layout/chevron1"/>
     <dgm:cxn modelId="{6D139A0C-1C5F-462F-941A-E83A5038A582}" type="presOf" srcId="{5033FB32-F740-4C19-B504-0647C1F53E48}" destId="{3EB30996-91B3-4239-BF37-88E3C555BC52}" srcOrd="0" destOrd="0" presId="urn:microsoft.com/office/officeart/2005/8/layout/chevron1"/>
     <dgm:cxn modelId="{A9C04542-76A5-484F-BDC6-8684DE3831C0}" srcId="{674503E8-1AC7-41ED-8605-5E819E9C237D}" destId="{5033FB32-F740-4C19-B504-0647C1F53E48}" srcOrd="0" destOrd="0" parTransId="{4F5440BC-E4ED-41F4-BCBC-91A4379FE628}" sibTransId="{0F72E487-3666-4627-B648-0F027167834A}"/>
-    <dgm:cxn modelId="{3EFB67F2-B4EB-4EFE-964A-8AF193349332}" type="presOf" srcId="{674503E8-1AC7-41ED-8605-5E819E9C237D}" destId="{B2AC34C9-27F4-4A43-B9E6-31AAF7FDE0CB}" srcOrd="0" destOrd="0" presId="urn:microsoft.com/office/officeart/2005/8/layout/chevron1"/>
     <dgm:cxn modelId="{E75CA34E-81F5-42E1-938A-72E2F0999817}" type="presParOf" srcId="{B2AC34C9-27F4-4A43-B9E6-31AAF7FDE0CB}" destId="{3EB30996-91B3-4239-BF37-88E3C555BC52}" srcOrd="0" destOrd="0" presId="urn:microsoft.com/office/officeart/2005/8/layout/chevron1"/>
   </dgm:cxnLst>
   <dgm:bg/>
@@ -12638,12 +12659,19 @@
         </dgm:presLayoutVars>
       </dgm:prSet>
       <dgm:spPr/>
+      <dgm:t>
+        <a:bodyPr/>
+        <a:lstStyle/>
+        <a:p>
+          <a:endParaRPr lang="de-DE"/>
+        </a:p>
+      </dgm:t>
     </dgm:pt>
   </dgm:ptLst>
   <dgm:cxnLst>
+    <dgm:cxn modelId="{3EFB67F2-B4EB-4EFE-964A-8AF193349332}" type="presOf" srcId="{674503E8-1AC7-41ED-8605-5E819E9C237D}" destId="{B2AC34C9-27F4-4A43-B9E6-31AAF7FDE0CB}" srcOrd="0" destOrd="0" presId="urn:microsoft.com/office/officeart/2005/8/layout/chevron1"/>
     <dgm:cxn modelId="{6D139A0C-1C5F-462F-941A-E83A5038A582}" type="presOf" srcId="{5033FB32-F740-4C19-B504-0647C1F53E48}" destId="{3EB30996-91B3-4239-BF37-88E3C555BC52}" srcOrd="0" destOrd="0" presId="urn:microsoft.com/office/officeart/2005/8/layout/chevron1"/>
     <dgm:cxn modelId="{A9C04542-76A5-484F-BDC6-8684DE3831C0}" srcId="{674503E8-1AC7-41ED-8605-5E819E9C237D}" destId="{5033FB32-F740-4C19-B504-0647C1F53E48}" srcOrd="0" destOrd="0" parTransId="{4F5440BC-E4ED-41F4-BCBC-91A4379FE628}" sibTransId="{0F72E487-3666-4627-B648-0F027167834A}"/>
-    <dgm:cxn modelId="{3EFB67F2-B4EB-4EFE-964A-8AF193349332}" type="presOf" srcId="{674503E8-1AC7-41ED-8605-5E819E9C237D}" destId="{B2AC34C9-27F4-4A43-B9E6-31AAF7FDE0CB}" srcOrd="0" destOrd="0" presId="urn:microsoft.com/office/officeart/2005/8/layout/chevron1"/>
     <dgm:cxn modelId="{E75CA34E-81F5-42E1-938A-72E2F0999817}" type="presParOf" srcId="{B2AC34C9-27F4-4A43-B9E6-31AAF7FDE0CB}" destId="{3EB30996-91B3-4239-BF37-88E3C555BC52}" srcOrd="0" destOrd="0" presId="urn:microsoft.com/office/officeart/2005/8/layout/chevron1"/>
   </dgm:cxnLst>
   <dgm:bg/>
@@ -12726,12 +12754,19 @@
         </dgm:presLayoutVars>
       </dgm:prSet>
       <dgm:spPr/>
+      <dgm:t>
+        <a:bodyPr/>
+        <a:lstStyle/>
+        <a:p>
+          <a:endParaRPr lang="de-DE"/>
+        </a:p>
+      </dgm:t>
     </dgm:pt>
   </dgm:ptLst>
   <dgm:cxnLst>
+    <dgm:cxn modelId="{3EFB67F2-B4EB-4EFE-964A-8AF193349332}" type="presOf" srcId="{674503E8-1AC7-41ED-8605-5E819E9C237D}" destId="{B2AC34C9-27F4-4A43-B9E6-31AAF7FDE0CB}" srcOrd="0" destOrd="0" presId="urn:microsoft.com/office/officeart/2005/8/layout/chevron1"/>
     <dgm:cxn modelId="{6D139A0C-1C5F-462F-941A-E83A5038A582}" type="presOf" srcId="{5033FB32-F740-4C19-B504-0647C1F53E48}" destId="{3EB30996-91B3-4239-BF37-88E3C555BC52}" srcOrd="0" destOrd="0" presId="urn:microsoft.com/office/officeart/2005/8/layout/chevron1"/>
     <dgm:cxn modelId="{A9C04542-76A5-484F-BDC6-8684DE3831C0}" srcId="{674503E8-1AC7-41ED-8605-5E819E9C237D}" destId="{5033FB32-F740-4C19-B504-0647C1F53E48}" srcOrd="0" destOrd="0" parTransId="{4F5440BC-E4ED-41F4-BCBC-91A4379FE628}" sibTransId="{0F72E487-3666-4627-B648-0F027167834A}"/>
-    <dgm:cxn modelId="{3EFB67F2-B4EB-4EFE-964A-8AF193349332}" type="presOf" srcId="{674503E8-1AC7-41ED-8605-5E819E9C237D}" destId="{B2AC34C9-27F4-4A43-B9E6-31AAF7FDE0CB}" srcOrd="0" destOrd="0" presId="urn:microsoft.com/office/officeart/2005/8/layout/chevron1"/>
     <dgm:cxn modelId="{E75CA34E-81F5-42E1-938A-72E2F0999817}" type="presParOf" srcId="{B2AC34C9-27F4-4A43-B9E6-31AAF7FDE0CB}" destId="{3EB30996-91B3-4239-BF37-88E3C555BC52}" srcOrd="0" destOrd="0" presId="urn:microsoft.com/office/officeart/2005/8/layout/chevron1"/>
   </dgm:cxnLst>
   <dgm:bg/>
@@ -12905,6 +12940,13 @@
         </dgm:presLayoutVars>
       </dgm:prSet>
       <dgm:spPr/>
+      <dgm:t>
+        <a:bodyPr/>
+        <a:lstStyle/>
+        <a:p>
+          <a:endParaRPr lang="de-DE"/>
+        </a:p>
+      </dgm:t>
     </dgm:pt>
     <dgm:pt modelId="{8C94DBA9-AC61-43A0-BD9A-8B89F7FE18BC}" type="pres">
       <dgm:prSet presAssocID="{11E12EE7-6730-4471-8135-5209E8DB6EEE}" presName="parTxOnlySpace" presStyleCnt="0"/>
@@ -12919,6 +12961,13 @@
         </dgm:presLayoutVars>
       </dgm:prSet>
       <dgm:spPr/>
+      <dgm:t>
+        <a:bodyPr/>
+        <a:lstStyle/>
+        <a:p>
+          <a:endParaRPr lang="de-DE"/>
+        </a:p>
+      </dgm:t>
     </dgm:pt>
     <dgm:pt modelId="{66C2C2CF-A4CD-4218-90F8-1E204CF6D502}" type="pres">
       <dgm:prSet presAssocID="{DA3F5A7D-7DD3-4F6D-867A-DD06B956183E}" presName="parTxOnlySpace" presStyleCnt="0"/>
@@ -12933,16 +12982,23 @@
         </dgm:presLayoutVars>
       </dgm:prSet>
       <dgm:spPr/>
+      <dgm:t>
+        <a:bodyPr/>
+        <a:lstStyle/>
+        <a:p>
+          <a:endParaRPr lang="de-DE"/>
+        </a:p>
+      </dgm:t>
     </dgm:pt>
   </dgm:ptLst>
   <dgm:cxnLst>
+    <dgm:cxn modelId="{3EFB67F2-B4EB-4EFE-964A-8AF193349332}" type="presOf" srcId="{674503E8-1AC7-41ED-8605-5E819E9C237D}" destId="{B2AC34C9-27F4-4A43-B9E6-31AAF7FDE0CB}" srcOrd="0" destOrd="0" presId="urn:microsoft.com/office/officeart/2005/8/layout/chevron1"/>
+    <dgm:cxn modelId="{0A7350FC-3963-4F8E-860C-9F0A1E5E519E}" type="presOf" srcId="{EC76E6DD-0554-49EF-BD35-E47BE10C7A6B}" destId="{29D39E56-9421-44FD-B56B-DDEAA3FF2152}" srcOrd="0" destOrd="0" presId="urn:microsoft.com/office/officeart/2005/8/layout/chevron1"/>
+    <dgm:cxn modelId="{21A9541E-3C79-4A99-B32C-6B5FE4871710}" srcId="{674503E8-1AC7-41ED-8605-5E819E9C237D}" destId="{EC76E6DD-0554-49EF-BD35-E47BE10C7A6B}" srcOrd="1" destOrd="0" parTransId="{7840B6A2-70E1-4A43-844C-B138A10E3F5A}" sibTransId="{DA3F5A7D-7DD3-4F6D-867A-DD06B956183E}"/>
+    <dgm:cxn modelId="{3E3E4B77-64CD-44F5-902E-79CE4A4334E6}" type="presOf" srcId="{80340891-3FEB-4D7E-A9A9-98BB5EB92937}" destId="{B4E1D9FA-813E-45A4-99A8-BCE162C67903}" srcOrd="0" destOrd="0" presId="urn:microsoft.com/office/officeart/2005/8/layout/chevron1"/>
+    <dgm:cxn modelId="{C45999F3-394D-4DC7-AC9A-99CBCAFC203E}" srcId="{674503E8-1AC7-41ED-8605-5E819E9C237D}" destId="{80340891-3FEB-4D7E-A9A9-98BB5EB92937}" srcOrd="0" destOrd="0" parTransId="{C40D1F21-41AD-455F-85BE-CF33C75A8440}" sibTransId="{11E12EE7-6730-4471-8135-5209E8DB6EEE}"/>
     <dgm:cxn modelId="{6D139A0C-1C5F-462F-941A-E83A5038A582}" type="presOf" srcId="{5033FB32-F740-4C19-B504-0647C1F53E48}" destId="{3EB30996-91B3-4239-BF37-88E3C555BC52}" srcOrd="0" destOrd="0" presId="urn:microsoft.com/office/officeart/2005/8/layout/chevron1"/>
-    <dgm:cxn modelId="{21A9541E-3C79-4A99-B32C-6B5FE4871710}" srcId="{674503E8-1AC7-41ED-8605-5E819E9C237D}" destId="{EC76E6DD-0554-49EF-BD35-E47BE10C7A6B}" srcOrd="1" destOrd="0" parTransId="{7840B6A2-70E1-4A43-844C-B138A10E3F5A}" sibTransId="{DA3F5A7D-7DD3-4F6D-867A-DD06B956183E}"/>
     <dgm:cxn modelId="{A9C04542-76A5-484F-BDC6-8684DE3831C0}" srcId="{674503E8-1AC7-41ED-8605-5E819E9C237D}" destId="{5033FB32-F740-4C19-B504-0647C1F53E48}" srcOrd="2" destOrd="0" parTransId="{4F5440BC-E4ED-41F4-BCBC-91A4379FE628}" sibTransId="{0F72E487-3666-4627-B648-0F027167834A}"/>
-    <dgm:cxn modelId="{3E3E4B77-64CD-44F5-902E-79CE4A4334E6}" type="presOf" srcId="{80340891-3FEB-4D7E-A9A9-98BB5EB92937}" destId="{B4E1D9FA-813E-45A4-99A8-BCE162C67903}" srcOrd="0" destOrd="0" presId="urn:microsoft.com/office/officeart/2005/8/layout/chevron1"/>
-    <dgm:cxn modelId="{3EFB67F2-B4EB-4EFE-964A-8AF193349332}" type="presOf" srcId="{674503E8-1AC7-41ED-8605-5E819E9C237D}" destId="{B2AC34C9-27F4-4A43-B9E6-31AAF7FDE0CB}" srcOrd="0" destOrd="0" presId="urn:microsoft.com/office/officeart/2005/8/layout/chevron1"/>
-    <dgm:cxn modelId="{C45999F3-394D-4DC7-AC9A-99CBCAFC203E}" srcId="{674503E8-1AC7-41ED-8605-5E819E9C237D}" destId="{80340891-3FEB-4D7E-A9A9-98BB5EB92937}" srcOrd="0" destOrd="0" parTransId="{C40D1F21-41AD-455F-85BE-CF33C75A8440}" sibTransId="{11E12EE7-6730-4471-8135-5209E8DB6EEE}"/>
-    <dgm:cxn modelId="{0A7350FC-3963-4F8E-860C-9F0A1E5E519E}" type="presOf" srcId="{EC76E6DD-0554-49EF-BD35-E47BE10C7A6B}" destId="{29D39E56-9421-44FD-B56B-DDEAA3FF2152}" srcOrd="0" destOrd="0" presId="urn:microsoft.com/office/officeart/2005/8/layout/chevron1"/>
     <dgm:cxn modelId="{9C0FDC5B-9016-49D7-909C-B88B403677D1}" type="presParOf" srcId="{B2AC34C9-27F4-4A43-B9E6-31AAF7FDE0CB}" destId="{B4E1D9FA-813E-45A4-99A8-BCE162C67903}" srcOrd="0" destOrd="0" presId="urn:microsoft.com/office/officeart/2005/8/layout/chevron1"/>
     <dgm:cxn modelId="{4F5E368B-7B6E-40E1-8C57-93AC4766E368}" type="presParOf" srcId="{B2AC34C9-27F4-4A43-B9E6-31AAF7FDE0CB}" destId="{8C94DBA9-AC61-43A0-BD9A-8B89F7FE18BC}" srcOrd="1" destOrd="0" presId="urn:microsoft.com/office/officeart/2005/8/layout/chevron1"/>
     <dgm:cxn modelId="{034BB568-D4AD-47E2-A2FB-EEAED7CCDE53}" type="presParOf" srcId="{B2AC34C9-27F4-4A43-B9E6-31AAF7FDE0CB}" destId="{29D39E56-9421-44FD-B56B-DDEAA3FF2152}" srcOrd="2" destOrd="0" presId="urn:microsoft.com/office/officeart/2005/8/layout/chevron1"/>
@@ -13029,12 +13085,19 @@
         </dgm:presLayoutVars>
       </dgm:prSet>
       <dgm:spPr/>
+      <dgm:t>
+        <a:bodyPr/>
+        <a:lstStyle/>
+        <a:p>
+          <a:endParaRPr lang="de-DE"/>
+        </a:p>
+      </dgm:t>
     </dgm:pt>
   </dgm:ptLst>
   <dgm:cxnLst>
+    <dgm:cxn modelId="{3EFB67F2-B4EB-4EFE-964A-8AF193349332}" type="presOf" srcId="{674503E8-1AC7-41ED-8605-5E819E9C237D}" destId="{B2AC34C9-27F4-4A43-B9E6-31AAF7FDE0CB}" srcOrd="0" destOrd="0" presId="urn:microsoft.com/office/officeart/2005/8/layout/chevron1"/>
     <dgm:cxn modelId="{6D139A0C-1C5F-462F-941A-E83A5038A582}" type="presOf" srcId="{5033FB32-F740-4C19-B504-0647C1F53E48}" destId="{3EB30996-91B3-4239-BF37-88E3C555BC52}" srcOrd="0" destOrd="0" presId="urn:microsoft.com/office/officeart/2005/8/layout/chevron1"/>
     <dgm:cxn modelId="{A9C04542-76A5-484F-BDC6-8684DE3831C0}" srcId="{674503E8-1AC7-41ED-8605-5E819E9C237D}" destId="{5033FB32-F740-4C19-B504-0647C1F53E48}" srcOrd="0" destOrd="0" parTransId="{4F5440BC-E4ED-41F4-BCBC-91A4379FE628}" sibTransId="{0F72E487-3666-4627-B648-0F027167834A}"/>
-    <dgm:cxn modelId="{3EFB67F2-B4EB-4EFE-964A-8AF193349332}" type="presOf" srcId="{674503E8-1AC7-41ED-8605-5E819E9C237D}" destId="{B2AC34C9-27F4-4A43-B9E6-31AAF7FDE0CB}" srcOrd="0" destOrd="0" presId="urn:microsoft.com/office/officeart/2005/8/layout/chevron1"/>
     <dgm:cxn modelId="{E75CA34E-81F5-42E1-938A-72E2F0999817}" type="presParOf" srcId="{B2AC34C9-27F4-4A43-B9E6-31AAF7FDE0CB}" destId="{3EB30996-91B3-4239-BF37-88E3C555BC52}" srcOrd="0" destOrd="0" presId="urn:microsoft.com/office/officeart/2005/8/layout/chevron1"/>
   </dgm:cxnLst>
   <dgm:bg/>
@@ -13123,12 +13186,19 @@
         </dgm:presLayoutVars>
       </dgm:prSet>
       <dgm:spPr/>
+      <dgm:t>
+        <a:bodyPr/>
+        <a:lstStyle/>
+        <a:p>
+          <a:endParaRPr lang="de-DE"/>
+        </a:p>
+      </dgm:t>
     </dgm:pt>
   </dgm:ptLst>
   <dgm:cxnLst>
-    <dgm:cxn modelId="{A9C04542-76A5-484F-BDC6-8684DE3831C0}" srcId="{674503E8-1AC7-41ED-8605-5E819E9C237D}" destId="{5033FB32-F740-4C19-B504-0647C1F53E48}" srcOrd="0" destOrd="0" parTransId="{4F5440BC-E4ED-41F4-BCBC-91A4379FE628}" sibTransId="{0F72E487-3666-4627-B648-0F027167834A}"/>
     <dgm:cxn modelId="{19A68D6E-BE0E-4F80-AE6B-1DBE0BEAF95D}" type="presOf" srcId="{5033FB32-F740-4C19-B504-0647C1F53E48}" destId="{3EB30996-91B3-4239-BF37-88E3C555BC52}" srcOrd="0" destOrd="0" presId="urn:microsoft.com/office/officeart/2005/8/layout/chevron1"/>
     <dgm:cxn modelId="{8B9743E3-0B02-4CB0-BB8A-109300AF5EF6}" type="presOf" srcId="{674503E8-1AC7-41ED-8605-5E819E9C237D}" destId="{B2AC34C9-27F4-4A43-B9E6-31AAF7FDE0CB}" srcOrd="0" destOrd="0" presId="urn:microsoft.com/office/officeart/2005/8/layout/chevron1"/>
+    <dgm:cxn modelId="{A9C04542-76A5-484F-BDC6-8684DE3831C0}" srcId="{674503E8-1AC7-41ED-8605-5E819E9C237D}" destId="{5033FB32-F740-4C19-B504-0647C1F53E48}" srcOrd="0" destOrd="0" parTransId="{4F5440BC-E4ED-41F4-BCBC-91A4379FE628}" sibTransId="{0F72E487-3666-4627-B648-0F027167834A}"/>
     <dgm:cxn modelId="{549B7886-ED9B-424B-9E42-716729D05555}" type="presParOf" srcId="{B2AC34C9-27F4-4A43-B9E6-31AAF7FDE0CB}" destId="{3EB30996-91B3-4239-BF37-88E3C555BC52}" srcOrd="0" destOrd="0" presId="urn:microsoft.com/office/officeart/2005/8/layout/chevron1"/>
   </dgm:cxnLst>
   <dgm:bg/>
@@ -13211,12 +13281,19 @@
         </dgm:presLayoutVars>
       </dgm:prSet>
       <dgm:spPr/>
+      <dgm:t>
+        <a:bodyPr/>
+        <a:lstStyle/>
+        <a:p>
+          <a:endParaRPr lang="de-DE"/>
+        </a:p>
+      </dgm:t>
     </dgm:pt>
   </dgm:ptLst>
   <dgm:cxnLst>
+    <dgm:cxn modelId="{3EFB67F2-B4EB-4EFE-964A-8AF193349332}" type="presOf" srcId="{674503E8-1AC7-41ED-8605-5E819E9C237D}" destId="{B2AC34C9-27F4-4A43-B9E6-31AAF7FDE0CB}" srcOrd="0" destOrd="0" presId="urn:microsoft.com/office/officeart/2005/8/layout/chevron1"/>
     <dgm:cxn modelId="{6D139A0C-1C5F-462F-941A-E83A5038A582}" type="presOf" srcId="{5033FB32-F740-4C19-B504-0647C1F53E48}" destId="{3EB30996-91B3-4239-BF37-88E3C555BC52}" srcOrd="0" destOrd="0" presId="urn:microsoft.com/office/officeart/2005/8/layout/chevron1"/>
     <dgm:cxn modelId="{A9C04542-76A5-484F-BDC6-8684DE3831C0}" srcId="{674503E8-1AC7-41ED-8605-5E819E9C237D}" destId="{5033FB32-F740-4C19-B504-0647C1F53E48}" srcOrd="0" destOrd="0" parTransId="{4F5440BC-E4ED-41F4-BCBC-91A4379FE628}" sibTransId="{0F72E487-3666-4627-B648-0F027167834A}"/>
-    <dgm:cxn modelId="{3EFB67F2-B4EB-4EFE-964A-8AF193349332}" type="presOf" srcId="{674503E8-1AC7-41ED-8605-5E819E9C237D}" destId="{B2AC34C9-27F4-4A43-B9E6-31AAF7FDE0CB}" srcOrd="0" destOrd="0" presId="urn:microsoft.com/office/officeart/2005/8/layout/chevron1"/>
     <dgm:cxn modelId="{E75CA34E-81F5-42E1-938A-72E2F0999817}" type="presParOf" srcId="{B2AC34C9-27F4-4A43-B9E6-31AAF7FDE0CB}" destId="{3EB30996-91B3-4239-BF37-88E3C555BC52}" srcOrd="0" destOrd="0" presId="urn:microsoft.com/office/officeart/2005/8/layout/chevron1"/>
   </dgm:cxnLst>
   <dgm:bg/>
@@ -13299,12 +13376,19 @@
         </dgm:presLayoutVars>
       </dgm:prSet>
       <dgm:spPr/>
+      <dgm:t>
+        <a:bodyPr/>
+        <a:lstStyle/>
+        <a:p>
+          <a:endParaRPr lang="de-DE"/>
+        </a:p>
+      </dgm:t>
     </dgm:pt>
   </dgm:ptLst>
   <dgm:cxnLst>
+    <dgm:cxn modelId="{3EFB67F2-B4EB-4EFE-964A-8AF193349332}" type="presOf" srcId="{674503E8-1AC7-41ED-8605-5E819E9C237D}" destId="{B2AC34C9-27F4-4A43-B9E6-31AAF7FDE0CB}" srcOrd="0" destOrd="0" presId="urn:microsoft.com/office/officeart/2005/8/layout/chevron1"/>
     <dgm:cxn modelId="{6D139A0C-1C5F-462F-941A-E83A5038A582}" type="presOf" srcId="{5033FB32-F740-4C19-B504-0647C1F53E48}" destId="{3EB30996-91B3-4239-BF37-88E3C555BC52}" srcOrd="0" destOrd="0" presId="urn:microsoft.com/office/officeart/2005/8/layout/chevron1"/>
     <dgm:cxn modelId="{A9C04542-76A5-484F-BDC6-8684DE3831C0}" srcId="{674503E8-1AC7-41ED-8605-5E819E9C237D}" destId="{5033FB32-F740-4C19-B504-0647C1F53E48}" srcOrd="0" destOrd="0" parTransId="{4F5440BC-E4ED-41F4-BCBC-91A4379FE628}" sibTransId="{0F72E487-3666-4627-B648-0F027167834A}"/>
-    <dgm:cxn modelId="{3EFB67F2-B4EB-4EFE-964A-8AF193349332}" type="presOf" srcId="{674503E8-1AC7-41ED-8605-5E819E9C237D}" destId="{B2AC34C9-27F4-4A43-B9E6-31AAF7FDE0CB}" srcOrd="0" destOrd="0" presId="urn:microsoft.com/office/officeart/2005/8/layout/chevron1"/>
     <dgm:cxn modelId="{E75CA34E-81F5-42E1-938A-72E2F0999817}" type="presParOf" srcId="{B2AC34C9-27F4-4A43-B9E6-31AAF7FDE0CB}" destId="{3EB30996-91B3-4239-BF37-88E3C555BC52}" srcOrd="0" destOrd="0" presId="urn:microsoft.com/office/officeart/2005/8/layout/chevron1"/>
   </dgm:cxnLst>
   <dgm:bg/>
@@ -13387,12 +13471,19 @@
         </dgm:presLayoutVars>
       </dgm:prSet>
       <dgm:spPr/>
+      <dgm:t>
+        <a:bodyPr/>
+        <a:lstStyle/>
+        <a:p>
+          <a:endParaRPr lang="de-DE"/>
+        </a:p>
+      </dgm:t>
     </dgm:pt>
   </dgm:ptLst>
   <dgm:cxnLst>
+    <dgm:cxn modelId="{3EFB67F2-B4EB-4EFE-964A-8AF193349332}" type="presOf" srcId="{674503E8-1AC7-41ED-8605-5E819E9C237D}" destId="{B2AC34C9-27F4-4A43-B9E6-31AAF7FDE0CB}" srcOrd="0" destOrd="0" presId="urn:microsoft.com/office/officeart/2005/8/layout/chevron1"/>
     <dgm:cxn modelId="{6D139A0C-1C5F-462F-941A-E83A5038A582}" type="presOf" srcId="{5033FB32-F740-4C19-B504-0647C1F53E48}" destId="{3EB30996-91B3-4239-BF37-88E3C555BC52}" srcOrd="0" destOrd="0" presId="urn:microsoft.com/office/officeart/2005/8/layout/chevron1"/>
     <dgm:cxn modelId="{A9C04542-76A5-484F-BDC6-8684DE3831C0}" srcId="{674503E8-1AC7-41ED-8605-5E819E9C237D}" destId="{5033FB32-F740-4C19-B504-0647C1F53E48}" srcOrd="0" destOrd="0" parTransId="{4F5440BC-E4ED-41F4-BCBC-91A4379FE628}" sibTransId="{0F72E487-3666-4627-B648-0F027167834A}"/>
-    <dgm:cxn modelId="{3EFB67F2-B4EB-4EFE-964A-8AF193349332}" type="presOf" srcId="{674503E8-1AC7-41ED-8605-5E819E9C237D}" destId="{B2AC34C9-27F4-4A43-B9E6-31AAF7FDE0CB}" srcOrd="0" destOrd="0" presId="urn:microsoft.com/office/officeart/2005/8/layout/chevron1"/>
     <dgm:cxn modelId="{E75CA34E-81F5-42E1-938A-72E2F0999817}" type="presParOf" srcId="{B2AC34C9-27F4-4A43-B9E6-31AAF7FDE0CB}" destId="{3EB30996-91B3-4239-BF37-88E3C555BC52}" srcOrd="0" destOrd="0" presId="urn:microsoft.com/office/officeart/2005/8/layout/chevron1"/>
   </dgm:cxnLst>
   <dgm:bg/>
@@ -13475,12 +13566,19 @@
         </dgm:presLayoutVars>
       </dgm:prSet>
       <dgm:spPr/>
+      <dgm:t>
+        <a:bodyPr/>
+        <a:lstStyle/>
+        <a:p>
+          <a:endParaRPr lang="de-DE"/>
+        </a:p>
+      </dgm:t>
     </dgm:pt>
   </dgm:ptLst>
   <dgm:cxnLst>
+    <dgm:cxn modelId="{3EFB67F2-B4EB-4EFE-964A-8AF193349332}" type="presOf" srcId="{674503E8-1AC7-41ED-8605-5E819E9C237D}" destId="{B2AC34C9-27F4-4A43-B9E6-31AAF7FDE0CB}" srcOrd="0" destOrd="0" presId="urn:microsoft.com/office/officeart/2005/8/layout/chevron1"/>
     <dgm:cxn modelId="{6D139A0C-1C5F-462F-941A-E83A5038A582}" type="presOf" srcId="{5033FB32-F740-4C19-B504-0647C1F53E48}" destId="{3EB30996-91B3-4239-BF37-88E3C555BC52}" srcOrd="0" destOrd="0" presId="urn:microsoft.com/office/officeart/2005/8/layout/chevron1"/>
     <dgm:cxn modelId="{A9C04542-76A5-484F-BDC6-8684DE3831C0}" srcId="{674503E8-1AC7-41ED-8605-5E819E9C237D}" destId="{5033FB32-F740-4C19-B504-0647C1F53E48}" srcOrd="0" destOrd="0" parTransId="{4F5440BC-E4ED-41F4-BCBC-91A4379FE628}" sibTransId="{0F72E487-3666-4627-B648-0F027167834A}"/>
-    <dgm:cxn modelId="{3EFB67F2-B4EB-4EFE-964A-8AF193349332}" type="presOf" srcId="{674503E8-1AC7-41ED-8605-5E819E9C237D}" destId="{B2AC34C9-27F4-4A43-B9E6-31AAF7FDE0CB}" srcOrd="0" destOrd="0" presId="urn:microsoft.com/office/officeart/2005/8/layout/chevron1"/>
     <dgm:cxn modelId="{E75CA34E-81F5-42E1-938A-72E2F0999817}" type="presParOf" srcId="{B2AC34C9-27F4-4A43-B9E6-31AAF7FDE0CB}" destId="{3EB30996-91B3-4239-BF37-88E3C555BC52}" srcOrd="0" destOrd="0" presId="urn:microsoft.com/office/officeart/2005/8/layout/chevron1"/>
   </dgm:cxnLst>
   <dgm:bg/>
@@ -13563,12 +13661,19 @@
         </dgm:presLayoutVars>
       </dgm:prSet>
       <dgm:spPr/>
+      <dgm:t>
+        <a:bodyPr/>
+        <a:lstStyle/>
+        <a:p>
+          <a:endParaRPr lang="de-DE"/>
+        </a:p>
+      </dgm:t>
     </dgm:pt>
   </dgm:ptLst>
   <dgm:cxnLst>
+    <dgm:cxn modelId="{3EFB67F2-B4EB-4EFE-964A-8AF193349332}" type="presOf" srcId="{674503E8-1AC7-41ED-8605-5E819E9C237D}" destId="{B2AC34C9-27F4-4A43-B9E6-31AAF7FDE0CB}" srcOrd="0" destOrd="0" presId="urn:microsoft.com/office/officeart/2005/8/layout/chevron1"/>
     <dgm:cxn modelId="{6D139A0C-1C5F-462F-941A-E83A5038A582}" type="presOf" srcId="{5033FB32-F740-4C19-B504-0647C1F53E48}" destId="{3EB30996-91B3-4239-BF37-88E3C555BC52}" srcOrd="0" destOrd="0" presId="urn:microsoft.com/office/officeart/2005/8/layout/chevron1"/>
     <dgm:cxn modelId="{A9C04542-76A5-484F-BDC6-8684DE3831C0}" srcId="{674503E8-1AC7-41ED-8605-5E819E9C237D}" destId="{5033FB32-F740-4C19-B504-0647C1F53E48}" srcOrd="0" destOrd="0" parTransId="{4F5440BC-E4ED-41F4-BCBC-91A4379FE628}" sibTransId="{0F72E487-3666-4627-B648-0F027167834A}"/>
-    <dgm:cxn modelId="{3EFB67F2-B4EB-4EFE-964A-8AF193349332}" type="presOf" srcId="{674503E8-1AC7-41ED-8605-5E819E9C237D}" destId="{B2AC34C9-27F4-4A43-B9E6-31AAF7FDE0CB}" srcOrd="0" destOrd="0" presId="urn:microsoft.com/office/officeart/2005/8/layout/chevron1"/>
     <dgm:cxn modelId="{E75CA34E-81F5-42E1-938A-72E2F0999817}" type="presParOf" srcId="{B2AC34C9-27F4-4A43-B9E6-31AAF7FDE0CB}" destId="{3EB30996-91B3-4239-BF37-88E3C555BC52}" srcOrd="0" destOrd="0" presId="urn:microsoft.com/office/officeart/2005/8/layout/chevron1"/>
   </dgm:cxnLst>
   <dgm:bg/>
@@ -13651,12 +13756,19 @@
         </dgm:presLayoutVars>
       </dgm:prSet>
       <dgm:spPr/>
+      <dgm:t>
+        <a:bodyPr/>
+        <a:lstStyle/>
+        <a:p>
+          <a:endParaRPr lang="de-DE"/>
+        </a:p>
+      </dgm:t>
     </dgm:pt>
   </dgm:ptLst>
   <dgm:cxnLst>
+    <dgm:cxn modelId="{3EFB67F2-B4EB-4EFE-964A-8AF193349332}" type="presOf" srcId="{674503E8-1AC7-41ED-8605-5E819E9C237D}" destId="{B2AC34C9-27F4-4A43-B9E6-31AAF7FDE0CB}" srcOrd="0" destOrd="0" presId="urn:microsoft.com/office/officeart/2005/8/layout/chevron1"/>
     <dgm:cxn modelId="{6D139A0C-1C5F-462F-941A-E83A5038A582}" type="presOf" srcId="{5033FB32-F740-4C19-B504-0647C1F53E48}" destId="{3EB30996-91B3-4239-BF37-88E3C555BC52}" srcOrd="0" destOrd="0" presId="urn:microsoft.com/office/officeart/2005/8/layout/chevron1"/>
     <dgm:cxn modelId="{A9C04542-76A5-484F-BDC6-8684DE3831C0}" srcId="{674503E8-1AC7-41ED-8605-5E819E9C237D}" destId="{5033FB32-F740-4C19-B504-0647C1F53E48}" srcOrd="0" destOrd="0" parTransId="{4F5440BC-E4ED-41F4-BCBC-91A4379FE628}" sibTransId="{0F72E487-3666-4627-B648-0F027167834A}"/>
-    <dgm:cxn modelId="{3EFB67F2-B4EB-4EFE-964A-8AF193349332}" type="presOf" srcId="{674503E8-1AC7-41ED-8605-5E819E9C237D}" destId="{B2AC34C9-27F4-4A43-B9E6-31AAF7FDE0CB}" srcOrd="0" destOrd="0" presId="urn:microsoft.com/office/officeart/2005/8/layout/chevron1"/>
     <dgm:cxn modelId="{E75CA34E-81F5-42E1-938A-72E2F0999817}" type="presParOf" srcId="{B2AC34C9-27F4-4A43-B9E6-31AAF7FDE0CB}" destId="{3EB30996-91B3-4239-BF37-88E3C555BC52}" srcOrd="0" destOrd="0" presId="urn:microsoft.com/office/officeart/2005/8/layout/chevron1"/>
   </dgm:cxnLst>
   <dgm:bg/>
@@ -13736,7 +13848,7 @@
         </a:bodyPr>
         <a:lstStyle/>
         <a:p>
-          <a:pPr marL="0" lvl="0" indent="0" algn="ctr" defTabSz="844550">
+          <a:pPr lvl="0" algn="ctr" defTabSz="844550">
             <a:lnSpc>
               <a:spcPct val="90000"/>
             </a:lnSpc>
@@ -13746,7 +13858,6 @@
             <a:spcAft>
               <a:spcPct val="35000"/>
             </a:spcAft>
-            <a:buNone/>
           </a:pPr>
           <a:r>
             <a:rPr lang="de-DE" sz="1900" kern="1200" dirty="0">
@@ -13832,7 +13943,7 @@
         </a:bodyPr>
         <a:lstStyle/>
         <a:p>
-          <a:pPr marL="0" lvl="0" indent="0" algn="ctr" defTabSz="844550">
+          <a:pPr lvl="0" algn="ctr" defTabSz="844550">
             <a:lnSpc>
               <a:spcPct val="90000"/>
             </a:lnSpc>
@@ -13842,7 +13953,6 @@
             <a:spcAft>
               <a:spcPct val="35000"/>
             </a:spcAft>
-            <a:buNone/>
           </a:pPr>
           <a:r>
             <a:rPr lang="de-DE" sz="1900" kern="1200" dirty="0">
@@ -13928,7 +14038,7 @@
         </a:bodyPr>
         <a:lstStyle/>
         <a:p>
-          <a:pPr marL="0" lvl="0" indent="0" algn="ctr" defTabSz="844550">
+          <a:pPr lvl="0" algn="ctr" defTabSz="844550">
             <a:lnSpc>
               <a:spcPct val="90000"/>
             </a:lnSpc>
@@ -13938,7 +14048,6 @@
             <a:spcAft>
               <a:spcPct val="35000"/>
             </a:spcAft>
-            <a:buNone/>
           </a:pPr>
           <a:r>
             <a:rPr lang="de-DE" sz="1900" b="1" kern="1200" dirty="0">
@@ -14030,7 +14139,7 @@
         </a:bodyPr>
         <a:lstStyle/>
         <a:p>
-          <a:pPr marL="0" lvl="0" indent="0" algn="ctr" defTabSz="844550">
+          <a:pPr lvl="0" algn="ctr" defTabSz="844550">
             <a:lnSpc>
               <a:spcPct val="90000"/>
             </a:lnSpc>
@@ -14040,7 +14149,6 @@
             <a:spcAft>
               <a:spcPct val="35000"/>
             </a:spcAft>
-            <a:buNone/>
           </a:pPr>
           <a:r>
             <a:rPr lang="de-DE" sz="1900" b="1" kern="1200" dirty="0">
@@ -14132,7 +14240,7 @@
         </a:bodyPr>
         <a:lstStyle/>
         <a:p>
-          <a:pPr marL="0" lvl="0" indent="0" algn="ctr" defTabSz="844550">
+          <a:pPr lvl="0" algn="ctr" defTabSz="844550">
             <a:lnSpc>
               <a:spcPct val="90000"/>
             </a:lnSpc>
@@ -14142,7 +14250,6 @@
             <a:spcAft>
               <a:spcPct val="35000"/>
             </a:spcAft>
-            <a:buNone/>
           </a:pPr>
           <a:r>
             <a:rPr lang="de-DE" sz="1900" kern="1200" dirty="0">
@@ -14222,7 +14329,7 @@
         </a:bodyPr>
         <a:lstStyle/>
         <a:p>
-          <a:pPr marL="0" lvl="0" indent="0" algn="ctr" defTabSz="844550">
+          <a:pPr lvl="0" algn="ctr" defTabSz="844550">
             <a:lnSpc>
               <a:spcPct val="90000"/>
             </a:lnSpc>
@@ -14232,7 +14339,6 @@
             <a:spcAft>
               <a:spcPct val="35000"/>
             </a:spcAft>
-            <a:buNone/>
           </a:pPr>
           <a:r>
             <a:rPr lang="de-DE" sz="1900" kern="1200" dirty="0">
@@ -14299,7 +14405,7 @@
         </a:bodyPr>
         <a:lstStyle/>
         <a:p>
-          <a:pPr marL="0" lvl="0" indent="0" algn="ctr" defTabSz="844550">
+          <a:pPr lvl="0" algn="ctr" defTabSz="844550">
             <a:lnSpc>
               <a:spcPct val="90000"/>
             </a:lnSpc>
@@ -14309,7 +14415,6 @@
             <a:spcAft>
               <a:spcPct val="35000"/>
             </a:spcAft>
-            <a:buNone/>
           </a:pPr>
           <a:r>
             <a:rPr lang="de-DE" sz="1900" kern="1200" dirty="0">
@@ -14376,7 +14481,7 @@
         </a:bodyPr>
         <a:lstStyle/>
         <a:p>
-          <a:pPr marL="0" lvl="0" indent="0" algn="ctr" defTabSz="844550">
+          <a:pPr lvl="0" algn="ctr" defTabSz="844550">
             <a:lnSpc>
               <a:spcPct val="90000"/>
             </a:lnSpc>
@@ -14386,7 +14491,6 @@
             <a:spcAft>
               <a:spcPct val="35000"/>
             </a:spcAft>
-            <a:buNone/>
           </a:pPr>
           <a:r>
             <a:rPr lang="de-DE" sz="1900" kern="1200" dirty="0">
@@ -14471,7 +14575,7 @@
         </a:bodyPr>
         <a:lstStyle/>
         <a:p>
-          <a:pPr marL="0" lvl="0" indent="0" algn="ctr" defTabSz="844550">
+          <a:pPr lvl="0" algn="ctr" defTabSz="844550">
             <a:lnSpc>
               <a:spcPct val="90000"/>
             </a:lnSpc>
@@ -14481,7 +14585,6 @@
             <a:spcAft>
               <a:spcPct val="35000"/>
             </a:spcAft>
-            <a:buNone/>
           </a:pPr>
           <a:r>
             <a:rPr lang="de-DE" sz="1900" kern="1200" dirty="0">
@@ -14567,7 +14670,7 @@
         </a:bodyPr>
         <a:lstStyle/>
         <a:p>
-          <a:pPr marL="0" lvl="0" indent="0" algn="ctr" defTabSz="844550">
+          <a:pPr lvl="0" algn="ctr" defTabSz="844550">
             <a:lnSpc>
               <a:spcPct val="90000"/>
             </a:lnSpc>
@@ -14577,7 +14680,6 @@
             <a:spcAft>
               <a:spcPct val="35000"/>
             </a:spcAft>
-            <a:buNone/>
           </a:pPr>
           <a:r>
             <a:rPr lang="de-DE" sz="1900" kern="1200">
@@ -14669,7 +14771,7 @@
         </a:bodyPr>
         <a:lstStyle/>
         <a:p>
-          <a:pPr marL="0" lvl="0" indent="0" algn="ctr" defTabSz="844550">
+          <a:pPr lvl="0" algn="ctr" defTabSz="844550">
             <a:lnSpc>
               <a:spcPct val="90000"/>
             </a:lnSpc>
@@ -14679,7 +14781,6 @@
             <a:spcAft>
               <a:spcPct val="35000"/>
             </a:spcAft>
-            <a:buNone/>
           </a:pPr>
           <a:r>
             <a:rPr lang="de-DE" sz="1900" kern="1200" dirty="0">
@@ -14765,7 +14866,7 @@
         </a:bodyPr>
         <a:lstStyle/>
         <a:p>
-          <a:pPr marL="0" lvl="0" indent="0" algn="ctr" defTabSz="844550">
+          <a:pPr lvl="0" algn="ctr" defTabSz="844550">
             <a:lnSpc>
               <a:spcPct val="90000"/>
             </a:lnSpc>
@@ -14775,7 +14876,6 @@
             <a:spcAft>
               <a:spcPct val="35000"/>
             </a:spcAft>
-            <a:buNone/>
           </a:pPr>
           <a:r>
             <a:rPr lang="de-DE" sz="1900" kern="1200" dirty="0">
@@ -14861,7 +14961,7 @@
         </a:bodyPr>
         <a:lstStyle/>
         <a:p>
-          <a:pPr marL="0" lvl="0" indent="0" algn="ctr" defTabSz="844550">
+          <a:pPr lvl="0" algn="ctr" defTabSz="844550">
             <a:lnSpc>
               <a:spcPct val="90000"/>
             </a:lnSpc>
@@ -14871,7 +14971,6 @@
             <a:spcAft>
               <a:spcPct val="35000"/>
             </a:spcAft>
-            <a:buNone/>
           </a:pPr>
           <a:r>
             <a:rPr lang="de-DE" sz="1900" kern="1200" dirty="0">
@@ -14957,7 +15056,7 @@
         </a:bodyPr>
         <a:lstStyle/>
         <a:p>
-          <a:pPr marL="0" lvl="0" indent="0" algn="ctr" defTabSz="844550">
+          <a:pPr lvl="0" algn="ctr" defTabSz="844550">
             <a:lnSpc>
               <a:spcPct val="90000"/>
             </a:lnSpc>
@@ -14967,7 +15066,6 @@
             <a:spcAft>
               <a:spcPct val="35000"/>
             </a:spcAft>
-            <a:buNone/>
           </a:pPr>
           <a:r>
             <a:rPr lang="de-DE" sz="1900" kern="1200" dirty="0">
@@ -15053,7 +15151,7 @@
         </a:bodyPr>
         <a:lstStyle/>
         <a:p>
-          <a:pPr marL="0" lvl="0" indent="0" algn="ctr" defTabSz="844550">
+          <a:pPr lvl="0" algn="ctr" defTabSz="844550">
             <a:lnSpc>
               <a:spcPct val="90000"/>
             </a:lnSpc>
@@ -15063,7 +15161,6 @@
             <a:spcAft>
               <a:spcPct val="35000"/>
             </a:spcAft>
-            <a:buNone/>
           </a:pPr>
           <a:r>
             <a:rPr lang="de-DE" sz="1900" kern="1200" dirty="0">
@@ -15149,7 +15246,7 @@
         </a:bodyPr>
         <a:lstStyle/>
         <a:p>
-          <a:pPr marL="0" lvl="0" indent="0" algn="ctr" defTabSz="844550">
+          <a:pPr lvl="0" algn="ctr" defTabSz="844550">
             <a:lnSpc>
               <a:spcPct val="90000"/>
             </a:lnSpc>
@@ -15159,7 +15256,6 @@
             <a:spcAft>
               <a:spcPct val="35000"/>
             </a:spcAft>
-            <a:buNone/>
           </a:pPr>
           <a:r>
             <a:rPr lang="de-DE" sz="1900" kern="1200" dirty="0">
@@ -33701,7 +33797,7 @@
           <a:p>
             <a:fld id="{532509FE-4B88-49E5-9857-128C195EDC5C}" type="datetimeFigureOut">
               <a:rPr lang="de-DE" smtClean="0"/>
-              <a:t>07.01.2020</a:t>
+              <a:t>08.01.2020</a:t>
             </a:fld>
             <a:endParaRPr lang="de-DE"/>
           </a:p>
@@ -34520,19 +34616,30 @@
           <a:lstStyle/>
           <a:p>
             <a:r>
-              <a:rPr lang="de-DE" dirty="0"/>
-              <a:t>Interaktion: Wer</a:t>
+              <a:rPr lang="de-DE" baseline="0" dirty="0" smtClean="0"/>
+              <a:t>Exkursion: Weshalb ? Kernpunkte (Thema Hintergrundgeräusche, Prozesserklärungen aus der Praxis, Ausnahmesituationen (</a:t>
             </a:r>
             <a:r>
-              <a:rPr lang="de-DE" baseline="0" dirty="0"/>
-              <a:t> kennt SAP ?</a:t>
+              <a:rPr lang="de-DE" baseline="0" dirty="0" err="1" smtClean="0"/>
+              <a:t>Falschaddressierung</a:t>
             </a:r>
-          </a:p>
-          <a:p>
             <a:r>
-              <a:rPr lang="de-DE" baseline="0" dirty="0"/>
-              <a:t>Referenten, alle ?</a:t>
+              <a:rPr lang="de-DE" baseline="0" dirty="0" smtClean="0"/>
+              <a:t>), etc. ), Schema zum Verständnis der Architektur. Ergonomie soll Problemstellungen, Bedenken beinhalten, die im Laufe des Projekts aufgekommen sind.  Sprints </a:t>
             </a:r>
+            <a:r>
+              <a:rPr lang="de-DE" baseline="0" dirty="0" err="1" smtClean="0"/>
+              <a:t>evtl</a:t>
+            </a:r>
+            <a:r>
+              <a:rPr lang="de-DE" baseline="0" dirty="0" smtClean="0"/>
+              <a:t> .darstellen, Relevanz von technischer Schuld. Bilder zu Artikel (</a:t>
+            </a:r>
+            <a:r>
+              <a:rPr lang="de-DE" baseline="0" smtClean="0"/>
+              <a:t>Exkursion Info)</a:t>
+            </a:r>
+            <a:endParaRPr lang="de-DE" baseline="0" dirty="0"/>
           </a:p>
           <a:p>
             <a:endParaRPr lang="de-DE" dirty="0"/>
@@ -35340,7 +35447,7 @@
           <a:p>
             <a:fld id="{9B6D1F2D-D69C-4B43-B03F-747D7E40617B}" type="datetimeFigureOut">
               <a:rPr lang="de-DE" smtClean="0"/>
-              <a:t>07.01.2020</a:t>
+              <a:t>08.01.2020</a:t>
             </a:fld>
             <a:endParaRPr lang="de-DE" dirty="0"/>
           </a:p>
@@ -35520,7 +35627,7 @@
           <a:p>
             <a:fld id="{9B6D1F2D-D69C-4B43-B03F-747D7E40617B}" type="datetimeFigureOut">
               <a:rPr lang="de-DE" smtClean="0"/>
-              <a:t>07.01.2020</a:t>
+              <a:t>08.01.2020</a:t>
             </a:fld>
             <a:endParaRPr lang="de-DE" dirty="0"/>
           </a:p>
@@ -35710,7 +35817,7 @@
           <a:p>
             <a:fld id="{9B6D1F2D-D69C-4B43-B03F-747D7E40617B}" type="datetimeFigureOut">
               <a:rPr lang="de-DE" smtClean="0"/>
-              <a:t>07.01.2020</a:t>
+              <a:t>08.01.2020</a:t>
             </a:fld>
             <a:endParaRPr lang="de-DE" dirty="0"/>
           </a:p>
@@ -35890,7 +35997,7 @@
           <a:p>
             <a:fld id="{9B6D1F2D-D69C-4B43-B03F-747D7E40617B}" type="datetimeFigureOut">
               <a:rPr lang="de-DE" smtClean="0"/>
-              <a:t>07.01.2020</a:t>
+              <a:t>08.01.2020</a:t>
             </a:fld>
             <a:endParaRPr lang="de-DE" dirty="0"/>
           </a:p>
@@ -36147,7 +36254,7 @@
           <a:p>
             <a:fld id="{9B6D1F2D-D69C-4B43-B03F-747D7E40617B}" type="datetimeFigureOut">
               <a:rPr lang="de-DE" smtClean="0"/>
-              <a:t>07.01.2020</a:t>
+              <a:t>08.01.2020</a:t>
             </a:fld>
             <a:endParaRPr lang="de-DE" dirty="0"/>
           </a:p>
@@ -36388,7 +36495,7 @@
           <a:p>
             <a:fld id="{9B6D1F2D-D69C-4B43-B03F-747D7E40617B}" type="datetimeFigureOut">
               <a:rPr lang="de-DE" smtClean="0"/>
-              <a:t>07.01.2020</a:t>
+              <a:t>08.01.2020</a:t>
             </a:fld>
             <a:endParaRPr lang="de-DE" dirty="0"/>
           </a:p>
@@ -36764,7 +36871,7 @@
           <a:p>
             <a:fld id="{9B6D1F2D-D69C-4B43-B03F-747D7E40617B}" type="datetimeFigureOut">
               <a:rPr lang="de-DE" smtClean="0"/>
-              <a:t>07.01.2020</a:t>
+              <a:t>08.01.2020</a:t>
             </a:fld>
             <a:endParaRPr lang="de-DE" dirty="0"/>
           </a:p>
@@ -36893,7 +37000,7 @@
           <a:p>
             <a:fld id="{9B6D1F2D-D69C-4B43-B03F-747D7E40617B}" type="datetimeFigureOut">
               <a:rPr lang="de-DE" smtClean="0"/>
-              <a:t>07.01.2020</a:t>
+              <a:t>08.01.2020</a:t>
             </a:fld>
             <a:endParaRPr lang="de-DE" dirty="0"/>
           </a:p>
@@ -37000,7 +37107,7 @@
           <a:p>
             <a:fld id="{9B6D1F2D-D69C-4B43-B03F-747D7E40617B}" type="datetimeFigureOut">
               <a:rPr lang="de-DE" smtClean="0"/>
-              <a:t>07.01.2020</a:t>
+              <a:t>08.01.2020</a:t>
             </a:fld>
             <a:endParaRPr lang="de-DE" dirty="0"/>
           </a:p>
@@ -37287,7 +37394,7 @@
           <a:p>
             <a:fld id="{9B6D1F2D-D69C-4B43-B03F-747D7E40617B}" type="datetimeFigureOut">
               <a:rPr lang="de-DE" smtClean="0"/>
-              <a:t>07.01.2020</a:t>
+              <a:t>08.01.2020</a:t>
             </a:fld>
             <a:endParaRPr lang="de-DE" dirty="0"/>
           </a:p>
@@ -37551,7 +37658,7 @@
           <a:p>
             <a:fld id="{9B6D1F2D-D69C-4B43-B03F-747D7E40617B}" type="datetimeFigureOut">
               <a:rPr lang="de-DE" smtClean="0"/>
-              <a:t>07.01.2020</a:t>
+              <a:t>08.01.2020</a:t>
             </a:fld>
             <a:endParaRPr lang="de-DE" dirty="0"/>
           </a:p>
@@ -37774,7 +37881,7 @@
           <a:p>
             <a:fld id="{9B6D1F2D-D69C-4B43-B03F-747D7E40617B}" type="datetimeFigureOut">
               <a:rPr lang="de-DE" smtClean="0"/>
-              <a:t>07.01.2020</a:t>
+              <a:t>08.01.2020</a:t>
             </a:fld>
             <a:endParaRPr lang="de-DE" dirty="0"/>
           </a:p>
@@ -38761,6 +38868,13 @@
       </p:transition>
     </mc:Fallback>
   </mc:AlternateContent>
+  <p:timing>
+    <p:tnLst>
+      <p:par>
+        <p:cTn id="1" dur="indefinite" restart="never" nodeType="tmRoot"/>
+      </p:par>
+    </p:tnLst>
+  </p:timing>
 </p:sld>
 </file>
 
@@ -39087,7 +39201,7 @@
                 <a16:creationId xmlns:a16="http://schemas.microsoft.com/office/drawing/2014/main" id="{87CC2527-562A-4F69-B487-4371E5B243E7}"/>
               </a:ext>
               <a:ext uri="{C183D7F6-B498-43B3-948B-1728B52AA6E4}">
-                <adec:decorative xmlns:adec="http://schemas.microsoft.com/office/drawing/2017/decorative" val="1"/>
+                <adec:decorative xmlns:adec="http://schemas.microsoft.com/office/drawing/2017/decorative" xmlns="" val="1"/>
               </a:ext>
             </a:extLst>
           </p:cNvPr>
@@ -39278,7 +39392,7 @@
                 <a16:creationId xmlns:a16="http://schemas.microsoft.com/office/drawing/2014/main" id="{BCDAEC91-5BCE-4B55-9CC0-43EF94CB734B}"/>
               </a:ext>
               <a:ext uri="{C183D7F6-B498-43B3-948B-1728B52AA6E4}">
-                <adec:decorative xmlns:adec="http://schemas.microsoft.com/office/drawing/2017/decorative" val="1"/>
+                <adec:decorative xmlns:adec="http://schemas.microsoft.com/office/drawing/2017/decorative" xmlns="" val="1"/>
               </a:ext>
             </a:extLst>
           </p:cNvPr>
@@ -40723,64 +40837,6 @@
       </p:sp>
       <p:sp>
         <p:nvSpPr>
-          <p:cNvPr id="14" name="Textfeld 13"/>
-          <p:cNvSpPr txBox="1"/>
-          <p:nvPr/>
-        </p:nvSpPr>
-        <p:spPr>
-          <a:xfrm>
-            <a:off x="9653073" y="990139"/>
-            <a:ext cx="2220480" cy="707886"/>
-          </a:xfrm>
-          <a:prstGeom prst="rect">
-            <a:avLst/>
-          </a:prstGeom>
-          <a:noFill/>
-        </p:spPr>
-        <p:txBody>
-          <a:bodyPr wrap="none" rtlCol="0">
-            <a:spAutoFit/>
-          </a:bodyPr>
-          <a:lstStyle/>
-          <a:p>
-            <a:pPr algn="r"/>
-            <a:r>
-              <a:rPr lang="de-DE" sz="2000" dirty="0">
-                <a:solidFill>
-                  <a:srgbClr val="385723"/>
-                </a:solidFill>
-                <a:latin typeface="Corbel Light" panose="020B0303020204020204" pitchFamily="34" charset="0"/>
-              </a:rPr>
-              <a:t>Präsentationsdauer</a:t>
-            </a:r>
-            <a:br>
-              <a:rPr lang="de-DE" sz="2000" dirty="0">
-                <a:solidFill>
-                  <a:srgbClr val="385723"/>
-                </a:solidFill>
-                <a:latin typeface="Corbel Light" panose="020B0303020204020204" pitchFamily="34" charset="0"/>
-              </a:rPr>
-            </a:br>
-            <a:r>
-              <a:rPr lang="de-DE" sz="2000" dirty="0">
-                <a:solidFill>
-                  <a:srgbClr val="385723"/>
-                </a:solidFill>
-                <a:latin typeface="Corbel Light" panose="020B0303020204020204" pitchFamily="34" charset="0"/>
-              </a:rPr>
-              <a:t>12 – 13 Minuten</a:t>
-            </a:r>
-            <a:endParaRPr lang="de-DE" sz="2000" baseline="-25000" dirty="0">
-              <a:solidFill>
-                <a:srgbClr val="385723"/>
-              </a:solidFill>
-              <a:latin typeface="Corbel Light" panose="020B0303020204020204" pitchFamily="34" charset="0"/>
-            </a:endParaRPr>
-          </a:p>
-        </p:txBody>
-      </p:sp>
-      <p:sp>
-        <p:nvSpPr>
           <p:cNvPr id="6" name="Textfeld 5"/>
           <p:cNvSpPr txBox="1"/>
           <p:nvPr/>
@@ -40788,7 +40844,7 @@
         <p:spPr>
           <a:xfrm>
             <a:off x="795649" y="1541942"/>
-            <a:ext cx="11090793" cy="4708981"/>
+            <a:ext cx="7212872" cy="4708981"/>
           </a:xfrm>
           <a:prstGeom prst="rect">
             <a:avLst/>
@@ -41040,92 +41096,16 @@
                 </a:solidFill>
                 <a:latin typeface="Corbel Light" panose="020B0303020204020204" pitchFamily="34" charset="0"/>
               </a:rPr>
-              <a:t>Projektziele im Anschluss </a:t>
+              <a:t>Projektziele im </a:t>
             </a:r>
             <a:r>
-              <a:rPr lang="de-DE" sz="2000" dirty="0">
+              <a:rPr lang="de-DE" sz="2000" b="1" dirty="0" smtClean="0">
                 <a:solidFill>
                   <a:srgbClr val="385723"/>
                 </a:solidFill>
                 <a:latin typeface="Corbel Light" panose="020B0303020204020204" pitchFamily="34" charset="0"/>
               </a:rPr>
-              <a:t>(Herr </a:t>
-            </a:r>
-            <a:r>
-              <a:rPr lang="de-DE" sz="2000" dirty="0" err="1">
-                <a:solidFill>
-                  <a:srgbClr val="385723"/>
-                </a:solidFill>
-                <a:latin typeface="Corbel Light" panose="020B0303020204020204" pitchFamily="34" charset="0"/>
-              </a:rPr>
-              <a:t>Stauß</a:t>
-            </a:r>
-            <a:r>
-              <a:rPr lang="de-DE" sz="2000" dirty="0">
-                <a:solidFill>
-                  <a:srgbClr val="385723"/>
-                </a:solidFill>
-                <a:latin typeface="Corbel Light" panose="020B0303020204020204" pitchFamily="34" charset="0"/>
-              </a:rPr>
-              <a:t> ? Grundsätzliche Optimierung und Erweiterung der Funktionen?)</a:t>
-            </a:r>
-            <a:endParaRPr lang="de-DE" sz="2000" baseline="-25000" dirty="0">
-              <a:solidFill>
-                <a:srgbClr val="385723"/>
-              </a:solidFill>
-              <a:latin typeface="Corbel Light" panose="020B0303020204020204" pitchFamily="34" charset="0"/>
-            </a:endParaRPr>
-          </a:p>
-        </p:txBody>
-      </p:sp>
-      <p:sp>
-        <p:nvSpPr>
-          <p:cNvPr id="7" name="Textfeld 6"/>
-          <p:cNvSpPr txBox="1"/>
-          <p:nvPr/>
-        </p:nvSpPr>
-        <p:spPr>
-          <a:xfrm>
-            <a:off x="9087406" y="1701263"/>
-            <a:ext cx="2786147" cy="707886"/>
-          </a:xfrm>
-          <a:prstGeom prst="rect">
-            <a:avLst/>
-          </a:prstGeom>
-          <a:noFill/>
-        </p:spPr>
-        <p:txBody>
-          <a:bodyPr wrap="none" rtlCol="0">
-            <a:spAutoFit/>
-          </a:bodyPr>
-          <a:lstStyle/>
-          <a:p>
-            <a:pPr algn="r"/>
-            <a:r>
-              <a:rPr lang="de-DE" sz="2000" dirty="0">
-                <a:solidFill>
-                  <a:srgbClr val="385723"/>
-                </a:solidFill>
-                <a:latin typeface="Corbel Light" panose="020B0303020204020204" pitchFamily="34" charset="0"/>
-              </a:rPr>
-              <a:t>davon Live-Demo (Video)</a:t>
-            </a:r>
-            <a:br>
-              <a:rPr lang="de-DE" sz="2000" dirty="0">
-                <a:solidFill>
-                  <a:srgbClr val="385723"/>
-                </a:solidFill>
-                <a:latin typeface="Corbel Light" panose="020B0303020204020204" pitchFamily="34" charset="0"/>
-              </a:rPr>
-            </a:br>
-            <a:r>
-              <a:rPr lang="de-DE" sz="2000" dirty="0">
-                <a:solidFill>
-                  <a:srgbClr val="385723"/>
-                </a:solidFill>
-                <a:latin typeface="Corbel Light" panose="020B0303020204020204" pitchFamily="34" charset="0"/>
-              </a:rPr>
-              <a:t>2-3 Minuten</a:t>
+              <a:t>Anschluss</a:t>
             </a:r>
             <a:endParaRPr lang="de-DE" sz="2000" baseline="-25000" dirty="0">
               <a:solidFill>
@@ -41158,6 +41138,13 @@
       </p:transition>
     </mc:Fallback>
   </mc:AlternateContent>
+  <p:timing>
+    <p:tnLst>
+      <p:par>
+        <p:cTn id="1" dur="indefinite" restart="never" nodeType="tmRoot"/>
+      </p:par>
+    </p:tnLst>
+  </p:timing>
 </p:sld>
 </file>
 
@@ -43366,13 +43353,13 @@
           <p:nvPr/>
         </p:nvPicPr>
         <p:blipFill>
-          <a:blip r:embed="rId9">
+          <a:blip r:embed="rId9" cstate="print">
             <a:extLst>
               <a:ext uri="{28A0092B-C50C-407E-A947-70E740481C1C}">
                 <a14:useLocalDpi xmlns:a14="http://schemas.microsoft.com/office/drawing/2010/main" val="0"/>
               </a:ext>
               <a:ext uri="{96DAC541-7B7A-43D3-8B79-37D633B846F1}">
-                <asvg:svgBlip xmlns:asvg="http://schemas.microsoft.com/office/drawing/2016/SVG/main" r:embed="rId10"/>
+                <asvg:svgBlip xmlns:asvg="http://schemas.microsoft.com/office/drawing/2016/SVG/main" xmlns="" r:embed="rId10"/>
               </a:ext>
             </a:extLst>
           </a:blip>
